--- a/Article Slide/4.PRSNT-RTSAD-Jahanafrooz-010920.v1.pptx
+++ b/Article Slide/4.PRSNT-RTSAD-Jahanafrooz-010920.v1.pptx
@@ -204,7 +204,7 @@
           <a:p>
             <a:fld id="{2BCAFC7A-71DD-4C2C-B63D-60FDC7DD5449}" type="datetimeFigureOut">
               <a:rPr lang="en-US" smtClean="0"/>
-              <a:t>12/11/2022</a:t>
+              <a:t>12/14/2022</a:t>
             </a:fld>
             <a:endParaRPr lang="en-US"/>
           </a:p>
@@ -369,7 +369,7 @@
           <a:p>
             <a:fld id="{D85ECAFD-F005-4163-B10D-85806DC43F93}" type="datetimeFigureOut">
               <a:rPr lang="en-US" smtClean="0"/>
-              <a:t>12/11/2022</a:t>
+              <a:t>12/14/2022</a:t>
             </a:fld>
             <a:endParaRPr lang="en-US"/>
           </a:p>
@@ -994,7 +994,7 @@
           <a:p>
             <a:fld id="{CDDD7E25-E720-4E0F-937E-E0F463D602A2}" type="datetime1">
               <a:rPr lang="en-US" smtClean="0"/>
-              <a:t>12/11/2022</a:t>
+              <a:t>12/14/2022</a:t>
             </a:fld>
             <a:endParaRPr lang="en-US"/>
           </a:p>
@@ -1266,7 +1266,7 @@
           <a:p>
             <a:fld id="{21985955-DAD5-40A2-97C4-245CEF21FEE9}" type="datetime1">
               <a:rPr lang="en-US" smtClean="0"/>
-              <a:t>12/11/2022</a:t>
+              <a:t>12/14/2022</a:t>
             </a:fld>
             <a:endParaRPr lang="en-US" dirty="0"/>
           </a:p>
@@ -1457,7 +1457,7 @@
           <a:p>
             <a:fld id="{A4466657-7CD4-4205-AB47-E0C5BCE4FFBF}" type="datetime1">
               <a:rPr lang="en-US" smtClean="0"/>
-              <a:t>12/11/2022</a:t>
+              <a:t>12/14/2022</a:t>
             </a:fld>
             <a:endParaRPr lang="en-US" dirty="0"/>
           </a:p>
@@ -1789,7 +1789,7 @@
           <a:p>
             <a:fld id="{0F01AB63-1687-4168-A4E3-F3B1E5A10328}" type="datetime1">
               <a:rPr lang="en-US" smtClean="0"/>
-              <a:t>12/11/2022</a:t>
+              <a:t>12/14/2022</a:t>
             </a:fld>
             <a:endParaRPr lang="en-US" dirty="0"/>
           </a:p>
@@ -2034,7 +2034,7 @@
           <a:p>
             <a:fld id="{C0C1DB65-C7D0-41B2-AEB2-8318650F9A05}" type="datetime1">
               <a:rPr lang="en-US" smtClean="0"/>
-              <a:t>12/11/2022</a:t>
+              <a:t>12/14/2022</a:t>
             </a:fld>
             <a:endParaRPr lang="en-US" dirty="0"/>
           </a:p>
@@ -2329,7 +2329,7 @@
           <a:p>
             <a:fld id="{997F5472-0E48-4DC8-9173-F8C04DE2E920}" type="datetime1">
               <a:rPr lang="en-US" smtClean="0"/>
-              <a:t>12/11/2022</a:t>
+              <a:t>12/14/2022</a:t>
             </a:fld>
             <a:endParaRPr lang="en-US" dirty="0"/>
           </a:p>
@@ -2597,7 +2597,7 @@
           <a:p>
             <a:fld id="{117593C8-6B3F-4834-83F5-8F0D90F7F261}" type="datetime1">
               <a:rPr lang="en-US" smtClean="0"/>
-              <a:t>12/11/2022</a:t>
+              <a:t>12/14/2022</a:t>
             </a:fld>
             <a:endParaRPr lang="en-US" dirty="0"/>
           </a:p>
@@ -3218,7 +3218,7 @@
           <a:p>
             <a:fld id="{9CF092C4-CFAA-4DED-9F74-A62FE8EE90B0}" type="datetime1">
               <a:rPr lang="en-US" smtClean="0"/>
-              <a:t>12/11/2022</a:t>
+              <a:t>12/14/2022</a:t>
             </a:fld>
             <a:endParaRPr lang="en-US" dirty="0"/>
           </a:p>
@@ -4075,7 +4075,7 @@
           <a:p>
             <a:fld id="{02DA8133-CCA5-4622-AF3D-A4105A7481C7}" type="datetime1">
               <a:rPr lang="en-US" smtClean="0"/>
-              <a:t>12/11/2022</a:t>
+              <a:t>12/14/2022</a:t>
             </a:fld>
             <a:endParaRPr lang="en-US" dirty="0"/>
           </a:p>
@@ -4242,7 +4242,7 @@
           <a:p>
             <a:fld id="{2011C268-8453-46CE-A99A-9D436C760C34}" type="datetime1">
               <a:rPr lang="en-US" smtClean="0"/>
-              <a:t>12/11/2022</a:t>
+              <a:t>12/14/2022</a:t>
             </a:fld>
             <a:endParaRPr lang="en-US" dirty="0"/>
           </a:p>
@@ -4419,7 +4419,7 @@
           <a:p>
             <a:fld id="{576CC8F9-005B-47F8-BE41-38BB3E556B40}" type="datetime1">
               <a:rPr lang="en-US" smtClean="0"/>
-              <a:t>12/11/2022</a:t>
+              <a:t>12/14/2022</a:t>
             </a:fld>
             <a:endParaRPr lang="en-US" dirty="0"/>
           </a:p>
@@ -4586,7 +4586,7 @@
           <a:p>
             <a:fld id="{7192AEF9-DD53-4325-90D9-0AD495CC9183}" type="datetime1">
               <a:rPr lang="en-US" smtClean="0"/>
-              <a:t>12/11/2022</a:t>
+              <a:t>12/14/2022</a:t>
             </a:fld>
             <a:endParaRPr lang="en-US" dirty="0"/>
           </a:p>
@@ -4831,7 +4831,7 @@
           <a:p>
             <a:fld id="{8D7784D7-2173-4F54-9EFD-72DFC14DC09A}" type="datetime1">
               <a:rPr lang="en-US" smtClean="0"/>
-              <a:t>12/11/2022</a:t>
+              <a:t>12/14/2022</a:t>
             </a:fld>
             <a:endParaRPr lang="en-US"/>
           </a:p>
@@ -5118,7 +5118,7 @@
           <a:p>
             <a:fld id="{84D9FF4A-06DF-4905-A23D-B96EB727B314}" type="datetime1">
               <a:rPr lang="en-US" smtClean="0"/>
-              <a:t>12/11/2022</a:t>
+              <a:t>12/14/2022</a:t>
             </a:fld>
             <a:endParaRPr lang="en-US"/>
           </a:p>
@@ -5557,7 +5557,7 @@
           <a:p>
             <a:fld id="{DF91475B-707A-4FD3-9A15-C38D2EDFC1E1}" type="datetime1">
               <a:rPr lang="en-US" smtClean="0"/>
-              <a:t>12/11/2022</a:t>
+              <a:t>12/14/2022</a:t>
             </a:fld>
             <a:endParaRPr lang="en-US"/>
           </a:p>
@@ -5672,7 +5672,7 @@
           <a:p>
             <a:fld id="{9058D311-1E71-4428-A6BB-D11E7DFF3163}" type="datetime1">
               <a:rPr lang="en-US" smtClean="0"/>
-              <a:t>12/11/2022</a:t>
+              <a:t>12/14/2022</a:t>
             </a:fld>
             <a:endParaRPr lang="en-US" dirty="0"/>
           </a:p>
@@ -5765,7 +5765,7 @@
           <a:p>
             <a:fld id="{899BCAA5-7EE4-4333-986F-BFC6E305D93A}" type="datetime1">
               <a:rPr lang="en-US" smtClean="0"/>
-              <a:t>12/11/2022</a:t>
+              <a:t>12/14/2022</a:t>
             </a:fld>
             <a:endParaRPr lang="en-US" dirty="0"/>
           </a:p>
@@ -6041,7 +6041,7 @@
           <a:p>
             <a:fld id="{C259FF89-112D-4F1A-9D58-A72F6D365A63}" type="datetime1">
               <a:rPr lang="en-US" smtClean="0"/>
-              <a:t>12/11/2022</a:t>
+              <a:t>12/14/2022</a:t>
             </a:fld>
             <a:endParaRPr lang="en-US" dirty="0"/>
           </a:p>
@@ -6313,7 +6313,7 @@
           <a:p>
             <a:fld id="{69A8A8AD-D218-4198-AD85-ED36FA15F223}" type="datetime1">
               <a:rPr lang="en-US" smtClean="0"/>
-              <a:t>12/11/2022</a:t>
+              <a:t>12/14/2022</a:t>
             </a:fld>
             <a:endParaRPr lang="en-US" dirty="0"/>
           </a:p>
@@ -6709,7 +6709,7 @@
           <a:p>
             <a:fld id="{A458811C-1409-41E9-A47A-5E170CFD3CD5}" type="datetime1">
               <a:rPr lang="en-US" smtClean="0"/>
-              <a:t>12/11/2022</a:t>
+              <a:t>12/14/2022</a:t>
             </a:fld>
             <a:endParaRPr lang="en-US" dirty="0"/>
           </a:p>
@@ -7883,7 +7883,7 @@
         </p:nvSpPr>
         <p:spPr>
           <a:xfrm>
-            <a:off x="3097312" y="3990426"/>
+            <a:off x="2986475" y="3477808"/>
             <a:ext cx="1939637" cy="253916"/>
           </a:xfrm>
           <a:prstGeom prst="rect">
